--- a/C3SLD_Final_AutoPaginated.pptx
+++ b/C3SLD_Final_AutoPaginated.pptx
@@ -20676,7 +20676,7 @@
                     <a:lstStyle/>
                     <a:p>
                       <a:r>
-                        <a:t>how the dependent widget and independent widgets values are working in GUI.</a:t>
+                        <a:t>I learned trust</a:t>
                       </a:r>
                     </a:p>
                   </a:txBody>
@@ -20695,7 +20695,7 @@
                     <a:lstStyle/>
                     <a:p>
                       <a:r>
-                        <a:t>3D printing</a:t>
+                        <a:t>Learnt electronics how to test components.</a:t>
                       </a:r>
                     </a:p>
                   </a:txBody>
@@ -20733,7 +20733,7 @@
                     <a:lstStyle/>
                     <a:p>
                       <a:r>
-                        <a:t>Learned skill function check shapes inside</a:t>
+                        <a:t>we should not expect anything in back that is called real Love.</a:t>
                       </a:r>
                     </a:p>
                   </a:txBody>
@@ -20752,7 +20752,7 @@
                     <a:lstStyle/>
                     <a:p>
                       <a:r>
-                        <a:t>Learnt a new bind key to put via in vertical.</a:t>
+                        <a:t>Markdown language</a:t>
                       </a:r>
                     </a:p>
                   </a:txBody>
@@ -20771,7 +20771,7 @@
                     <a:lstStyle/>
                     <a:p>
                       <a:r>
-                        <a:t>I learnt circle perimeter project in snap.</a:t>
+                        <a:t>Snap library.</a:t>
                       </a:r>
                     </a:p>
                   </a:txBody>
@@ -20790,7 +20790,7 @@
                     <a:lstStyle/>
                     <a:p>
                       <a:r>
-                        <a:t>Learnt how to create poster in canvas.</a:t>
+                        <a:t>i learnt about modules in snap</a:t>
                       </a:r>
                     </a:p>
                   </a:txBody>
@@ -20809,7 +20809,7 @@
                     <a:lstStyle/>
                     <a:p>
                       <a:r>
-                        <a:t>Work operation of new poll circuit in SPS</a:t>
+                        <a:t>I learnt circle perimeter project in snap.</a:t>
                       </a:r>
                     </a:p>
                   </a:txBody>
@@ -22808,6 +22808,14 @@
               <a:defRPr sz="1400"/>
             </a:pPr>
             <a:r>
+              <a:t>When I work from my universal values , I am in integrity and full potential .</a:t>
+            </a:r>
+          </a:p>
+          <a:p>
+            <a:pPr lvl="1">
+              <a:defRPr sz="1400"/>
+            </a:pPr>
+            <a:r>
               <a:t>No insights for this week</a:t>
             </a:r>
           </a:p>
@@ -22816,15 +22824,7 @@
               <a:defRPr sz="1400"/>
             </a:pPr>
             <a:r>
-              <a:t>I learnt that when I acknowledge people I admire the qualities in them and want to incorporate in me and remind consistently.</a:t>
-            </a:r>
-          </a:p>
-          <a:p>
-            <a:pPr lvl="1">
-              <a:defRPr sz="1400"/>
-            </a:pPr>
-            <a:r>
-              <a:t>When I'm in full potential to clean garden work rather than the business work.</a:t>
+              <a:t>I notice that, i need to work hard more using my inner values.</a:t>
             </a:r>
           </a:p>
           <a:p>
@@ -22840,7 +22840,7 @@
               <a:defRPr sz="1400"/>
             </a:pPr>
             <a:r>
-              <a:t>I learn that i need to practice to be in my stand and still myself befour acting</a:t>
+              <a:t>I notice that I need to work hard and concentrate on every work using my inner values.</a:t>
             </a:r>
           </a:p>
           <a:p/>
